--- a/Lesson5/Lesson Material/05. String Manipulation en.pptx
+++ b/Lesson5/Lesson Material/05. String Manipulation en.pptx
@@ -334,23 +334,31 @@
 </p:presentation>
 </file>
 
+<file path=ppt/revisionInfo.xml><?xml version="1.0" encoding="utf-8"?>
+<p1510:revInfo xmlns:a="http://schemas.openxmlformats.org/drawingml/2006/main" xmlns:r="http://schemas.openxmlformats.org/officeDocument/2006/relationships" xmlns:p1510="http://schemas.microsoft.com/office/powerpoint/2015/10/main">
+  <p1510:revLst>
+    <p1510:client id="{FDEF71BA-206E-4BBF-BBD4-D5767CAF0DF0}" v="8" dt="2023-11-08T19:59:37.253"/>
+  </p1510:revLst>
+</p1510:revInfo>
+</file>
+
 <file path=ppt/changesInfos/changesInfo1.xml><?xml version="1.0" encoding="utf-8"?>
 <pc:chgInfo xmlns:a="http://schemas.openxmlformats.org/drawingml/2006/main" xmlns:r="http://schemas.openxmlformats.org/officeDocument/2006/relationships" xmlns:ac="http://schemas.microsoft.com/office/drawing/2013/main/command" xmlns:pc="http://schemas.microsoft.com/office/powerpoint/2013/main/command">
   <pc:docChgLst>
     <pc:chgData name="Rokas Slaboševičius" userId="5b5a1ad6-e0e0-4118-b388-ee941114d16c" providerId="ADAL" clId="{FDEF71BA-206E-4BBF-BBD4-D5767CAF0DF0}"/>
     <pc:docChg chg="undo custSel modSld">
-      <pc:chgData name="Rokas Slaboševičius" userId="5b5a1ad6-e0e0-4118-b388-ee941114d16c" providerId="ADAL" clId="{FDEF71BA-206E-4BBF-BBD4-D5767CAF0DF0}" dt="2023-11-08T19:53:08.974" v="10"/>
+      <pc:chgData name="Rokas Slaboševičius" userId="5b5a1ad6-e0e0-4118-b388-ee941114d16c" providerId="ADAL" clId="{FDEF71BA-206E-4BBF-BBD4-D5767CAF0DF0}" dt="2023-11-08T20:24:29.425" v="45" actId="20577"/>
       <pc:docMkLst>
         <pc:docMk/>
       </pc:docMkLst>
       <pc:sldChg chg="modSp mod">
-        <pc:chgData name="Rokas Slaboševičius" userId="5b5a1ad6-e0e0-4118-b388-ee941114d16c" providerId="ADAL" clId="{FDEF71BA-206E-4BBF-BBD4-D5767CAF0DF0}" dt="2023-11-08T19:53:08.974" v="10"/>
+        <pc:chgData name="Rokas Slaboševičius" userId="5b5a1ad6-e0e0-4118-b388-ee941114d16c" providerId="ADAL" clId="{FDEF71BA-206E-4BBF-BBD4-D5767CAF0DF0}" dt="2023-11-08T20:24:29.425" v="45" actId="20577"/>
         <pc:sldMkLst>
           <pc:docMk/>
           <pc:sldMk cId="3959824120" sldId="369"/>
         </pc:sldMkLst>
         <pc:spChg chg="mod">
-          <ac:chgData name="Rokas Slaboševičius" userId="5b5a1ad6-e0e0-4118-b388-ee941114d16c" providerId="ADAL" clId="{FDEF71BA-206E-4BBF-BBD4-D5767CAF0DF0}" dt="2023-11-08T19:53:08.974" v="10"/>
+          <ac:chgData name="Rokas Slaboševičius" userId="5b5a1ad6-e0e0-4118-b388-ee941114d16c" providerId="ADAL" clId="{FDEF71BA-206E-4BBF-BBD4-D5767CAF0DF0}" dt="2023-11-08T20:24:29.425" v="45" actId="20577"/>
           <ac:spMkLst>
             <pc:docMk/>
             <pc:sldMk cId="3959824120" sldId="369"/>
@@ -3544,7 +3552,7 @@
 
 <file path=ppt/slideLayouts/slideLayout6.xml><?xml version="1.0" encoding="utf-8"?>
 <p:sldLayout xmlns:a="http://schemas.openxmlformats.org/drawingml/2006/main" xmlns:r="http://schemas.openxmlformats.org/officeDocument/2006/relationships" xmlns:p="http://schemas.openxmlformats.org/presentationml/2006/main" matchingName="Title and Content">
-  <p:cSld name="4_Title and Content">
+  <p:cSld name="Title and Content">
     <p:spTree>
       <p:nvGrpSpPr>
         <p:cNvPr id="1" name="Shape 36"/>
@@ -5180,13 +5188,13 @@
     <p:sldLayoutId id="2147483656" r:id="rId6"/>
     <p:sldLayoutId id="2147483657" r:id="rId7"/>
   </p:sldLayoutIdLst>
-  <mc:AlternateContent xmlns:mc="http://schemas.openxmlformats.org/markup-compatibility/2006" xmlns:p159="http://schemas.microsoft.com/office/powerpoint/2015/09/main">
-    <mc:Choice Requires="p159">
+  <mc:AlternateContent xmlns:mc="http://schemas.openxmlformats.org/markup-compatibility/2006">
+    <mc:Choice xmlns:p159="http://schemas.microsoft.com/office/powerpoint/2015/09/main" Requires="p159">
       <p:transition xmlns:p14="http://schemas.microsoft.com/office/powerpoint/2010/main" spd="slow" p14:dur="2000">
         <p159:morph option="byObject"/>
       </p:transition>
     </mc:Choice>
-    <mc:Fallback xmlns="" xmlns:m="http://schemas.openxmlformats.org/officeDocument/2006/math" xmlns:a14="http://schemas.microsoft.com/office/drawing/2010/main" xmlns:ma14="http://schemas.microsoft.com/office/mac/drawingml/2011/main" xmlns:p14="http://schemas.microsoft.com/office/powerpoint/2010/main">
+    <mc:Fallback>
       <p:transition spd="slow">
         <p:fade/>
       </p:transition>
@@ -6105,7 +6113,7 @@
         <p159:morph option="byObject"/>
       </p:transition>
     </mc:Choice>
-    <mc:Fallback xmlns="" xmlns:m="http://schemas.openxmlformats.org/officeDocument/2006/math" xmlns:a14="http://schemas.microsoft.com/office/drawing/2010/main" xmlns:ma14="http://schemas.microsoft.com/office/mac/drawingml/2011/main" xmlns:a16="http://schemas.microsoft.com/office/drawing/2014/main" xmlns:p14="http://schemas.microsoft.com/office/powerpoint/2010/main">
+    <mc:Fallback xmlns:p14="http://schemas.microsoft.com/office/powerpoint/2010/main" xmlns:a16="http://schemas.microsoft.com/office/drawing/2014/main" xmlns:ma14="http://schemas.microsoft.com/office/mac/drawingml/2011/main" xmlns:a14="http://schemas.microsoft.com/office/drawing/2010/main" xmlns:m="http://schemas.openxmlformats.org/officeDocument/2006/math" xmlns="">
       <p:transition spd="slow">
         <p:fade/>
       </p:transition>
@@ -6581,7 +6589,7 @@
         <p159:morph option="byObject"/>
       </p:transition>
     </mc:Choice>
-    <mc:Fallback xmlns="" xmlns:p14="http://schemas.microsoft.com/office/powerpoint/2010/main">
+    <mc:Fallback xmlns:p14="http://schemas.microsoft.com/office/powerpoint/2010/main" xmlns="">
       <p:transition spd="slow">
         <p:fade/>
       </p:transition>
@@ -7275,7 +7283,7 @@
         <p159:morph option="byObject"/>
       </p:transition>
     </mc:Choice>
-    <mc:Fallback xmlns="" xmlns:a16="http://schemas.microsoft.com/office/drawing/2014/main" xmlns:m="http://schemas.openxmlformats.org/officeDocument/2006/math" xmlns:a14="http://schemas.microsoft.com/office/drawing/2010/main" xmlns:ma14="http://schemas.microsoft.com/office/mac/drawingml/2011/main" xmlns:p14="http://schemas.microsoft.com/office/powerpoint/2010/main">
+    <mc:Fallback xmlns:p14="http://schemas.microsoft.com/office/powerpoint/2010/main" xmlns:ma14="http://schemas.microsoft.com/office/mac/drawingml/2011/main" xmlns:a14="http://schemas.microsoft.com/office/drawing/2010/main" xmlns:m="http://schemas.openxmlformats.org/officeDocument/2006/math" xmlns:a16="http://schemas.microsoft.com/office/drawing/2014/main" xmlns="">
       <p:transition spd="slow">
         <p:fade/>
       </p:transition>
@@ -7933,7 +7941,7 @@
         <p159:morph option="byObject"/>
       </p:transition>
     </mc:Choice>
-    <mc:Fallback xmlns="" xmlns:a16="http://schemas.microsoft.com/office/drawing/2014/main" xmlns:ma14="http://schemas.microsoft.com/office/mac/drawingml/2011/main" xmlns:a14="http://schemas.microsoft.com/office/drawing/2010/main" xmlns:m="http://schemas.openxmlformats.org/officeDocument/2006/math" xmlns:p14="http://schemas.microsoft.com/office/powerpoint/2010/main">
+    <mc:Fallback xmlns:p14="http://schemas.microsoft.com/office/powerpoint/2010/main" xmlns:m="http://schemas.openxmlformats.org/officeDocument/2006/math" xmlns:a14="http://schemas.microsoft.com/office/drawing/2010/main" xmlns:ma14="http://schemas.microsoft.com/office/mac/drawingml/2011/main" xmlns:a16="http://schemas.microsoft.com/office/drawing/2014/main" xmlns="">
       <p:transition spd="slow">
         <p:fade/>
       </p:transition>
@@ -8509,7 +8517,7 @@
         <p159:morph option="byObject"/>
       </p:transition>
     </mc:Choice>
-    <mc:Fallback xmlns="" xmlns:a16="http://schemas.microsoft.com/office/drawing/2014/main" xmlns:ma14="http://schemas.microsoft.com/office/mac/drawingml/2011/main" xmlns:a14="http://schemas.microsoft.com/office/drawing/2010/main" xmlns:m="http://schemas.openxmlformats.org/officeDocument/2006/math" xmlns:p14="http://schemas.microsoft.com/office/powerpoint/2010/main">
+    <mc:Fallback xmlns:p14="http://schemas.microsoft.com/office/powerpoint/2010/main" xmlns:m="http://schemas.openxmlformats.org/officeDocument/2006/math" xmlns:a14="http://schemas.microsoft.com/office/drawing/2010/main" xmlns:ma14="http://schemas.microsoft.com/office/mac/drawingml/2011/main" xmlns:a16="http://schemas.microsoft.com/office/drawing/2014/main" xmlns="">
       <p:transition spd="slow">
         <p:fade/>
       </p:transition>
@@ -9267,7 +9275,7 @@
         <p159:morph option="byObject"/>
       </p:transition>
     </mc:Choice>
-    <mc:Fallback xmlns="" xmlns:a16="http://schemas.microsoft.com/office/drawing/2014/main" xmlns:ma14="http://schemas.microsoft.com/office/mac/drawingml/2011/main" xmlns:a14="http://schemas.microsoft.com/office/drawing/2010/main" xmlns:m="http://schemas.openxmlformats.org/officeDocument/2006/math" xmlns:p14="http://schemas.microsoft.com/office/powerpoint/2010/main">
+    <mc:Fallback xmlns:p14="http://schemas.microsoft.com/office/powerpoint/2010/main" xmlns:m="http://schemas.openxmlformats.org/officeDocument/2006/math" xmlns:a14="http://schemas.microsoft.com/office/drawing/2010/main" xmlns:ma14="http://schemas.microsoft.com/office/mac/drawingml/2011/main" xmlns:a16="http://schemas.microsoft.com/office/drawing/2014/main" xmlns="">
       <p:transition spd="slow">
         <p:fade/>
       </p:transition>
@@ -9810,7 +9818,43 @@
                 </a:solidFill>
                 <a:latin typeface="Courier New"/>
               </a:rPr>
-              <a:t> "tikroji meilė" are repeated in the first name and then do the same with the second name. When you get the number of repeated letters in both names, combine them e.g: </a:t>
+              <a:t> "</a:t>
+            </a:r>
+            <a:r>
+              <a:rPr lang="lt-LT" sz="1400" dirty="0" err="1">
+                <a:solidFill>
+                  <a:schemeClr val="tx1"/>
+                </a:solidFill>
+                <a:latin typeface="Courier New"/>
+              </a:rPr>
+              <a:t>true</a:t>
+            </a:r>
+            <a:r>
+              <a:rPr lang="lt-LT" sz="1400" dirty="0">
+                <a:solidFill>
+                  <a:schemeClr val="tx1"/>
+                </a:solidFill>
+                <a:latin typeface="Courier New"/>
+              </a:rPr>
+              <a:t> </a:t>
+            </a:r>
+            <a:r>
+              <a:rPr lang="lt-LT" sz="1400" dirty="0" err="1">
+                <a:solidFill>
+                  <a:schemeClr val="tx1"/>
+                </a:solidFill>
+                <a:latin typeface="Courier New"/>
+              </a:rPr>
+              <a:t>love</a:t>
+            </a:r>
+            <a:r>
+              <a:rPr lang="lt-LT" sz="1400" dirty="0">
+                <a:solidFill>
+                  <a:schemeClr val="tx1"/>
+                </a:solidFill>
+                <a:latin typeface="Courier New"/>
+              </a:rPr>
+              <a:t>" are repeated in the first name and then do the same with the second name. When you get the number of repeated letters in both names, combine them e.g: </a:t>
             </a:r>
           </a:p>
           <a:p>
@@ -9841,7 +9885,7 @@
                 </a:solidFill>
                 <a:latin typeface="Courier New"/>
               </a:rPr>
-              <a:t>2</a:t>
+              <a:t>0</a:t>
             </a:r>
             <a:r>
               <a:rPr lang="lt-LT" sz="1400" dirty="0">
@@ -9850,7 +9894,7 @@
                 </a:solidFill>
                 <a:latin typeface="Courier New"/>
               </a:rPr>
-              <a:t>) a(1) t(2) a(1) s(4) -&gt; </a:t>
+              <a:t>) a(</a:t>
             </a:r>
             <a:r>
               <a:rPr lang="en-US" sz="1400" dirty="0">
@@ -9859,7 +9903,79 @@
                 </a:solidFill>
                 <a:latin typeface="Courier New"/>
               </a:rPr>
-              <a:t>10</a:t>
+              <a:t>0</a:t>
+            </a:r>
+            <a:r>
+              <a:rPr lang="lt-LT" sz="1400" dirty="0">
+                <a:solidFill>
+                  <a:schemeClr val="tx1"/>
+                </a:solidFill>
+                <a:latin typeface="Courier New"/>
+              </a:rPr>
+              <a:t>) t(</a:t>
+            </a:r>
+            <a:r>
+              <a:rPr lang="en-US" sz="1400" dirty="0">
+                <a:solidFill>
+                  <a:schemeClr val="tx1"/>
+                </a:solidFill>
+                <a:latin typeface="Courier New"/>
+              </a:rPr>
+              <a:t>1</a:t>
+            </a:r>
+            <a:r>
+              <a:rPr lang="lt-LT" sz="1400" dirty="0">
+                <a:solidFill>
+                  <a:schemeClr val="tx1"/>
+                </a:solidFill>
+                <a:latin typeface="Courier New"/>
+              </a:rPr>
+              <a:t>) a(</a:t>
+            </a:r>
+            <a:r>
+              <a:rPr lang="en-US" sz="1400" dirty="0">
+                <a:solidFill>
+                  <a:schemeClr val="tx1"/>
+                </a:solidFill>
+                <a:latin typeface="Courier New"/>
+              </a:rPr>
+              <a:t>0</a:t>
+            </a:r>
+            <a:r>
+              <a:rPr lang="lt-LT" sz="1400" dirty="0">
+                <a:solidFill>
+                  <a:schemeClr val="tx1"/>
+                </a:solidFill>
+                <a:latin typeface="Courier New"/>
+              </a:rPr>
+              <a:t>) s(</a:t>
+            </a:r>
+            <a:r>
+              <a:rPr lang="en-US" sz="1400" dirty="0">
+                <a:solidFill>
+                  <a:schemeClr val="tx1"/>
+                </a:solidFill>
+                <a:latin typeface="Courier New"/>
+              </a:rPr>
+              <a:t>0</a:t>
+            </a:r>
+            <a:r>
+              <a:rPr lang="lt-LT" sz="1400" dirty="0">
+                <a:solidFill>
+                  <a:schemeClr val="tx1"/>
+                </a:solidFill>
+                <a:latin typeface="Courier New"/>
+              </a:rPr>
+              <a:t>) -&gt; </a:t>
+            </a:r>
+            <a:r>
+              <a:rPr lang="en-US" sz="1400" dirty="0">
+                <a:solidFill>
+                  <a:schemeClr val="tx1"/>
+                </a:solidFill>
+                <a:latin typeface="Courier New"/>
+              </a:rPr>
+              <a:t>1</a:t>
             </a:r>
             <a:endParaRPr lang="lt-LT" sz="1400" dirty="0">
               <a:solidFill>
@@ -9887,8 +10003,95 @@
                 </a:solidFill>
                 <a:latin typeface="Courier New"/>
               </a:rPr>
-              <a:t>Greta: G(0) r(1) e(2) t(2) a(1) -&gt; 6</a:t>
-            </a:r>
+              <a:t>Greta: G(0) r(</a:t>
+            </a:r>
+            <a:r>
+              <a:rPr lang="en-US" sz="1400" dirty="0">
+                <a:solidFill>
+                  <a:schemeClr val="tx1"/>
+                </a:solidFill>
+                <a:latin typeface="Courier New"/>
+              </a:rPr>
+              <a:t>1</a:t>
+            </a:r>
+            <a:r>
+              <a:rPr lang="lt-LT" sz="1400" dirty="0">
+                <a:solidFill>
+                  <a:schemeClr val="tx1"/>
+                </a:solidFill>
+                <a:latin typeface="Courier New"/>
+              </a:rPr>
+              <a:t>) e(</a:t>
+            </a:r>
+            <a:r>
+              <a:rPr lang="en-US" sz="1400" dirty="0">
+                <a:solidFill>
+                  <a:schemeClr val="tx1"/>
+                </a:solidFill>
+                <a:latin typeface="Courier New"/>
+              </a:rPr>
+              <a:t>2</a:t>
+            </a:r>
+            <a:r>
+              <a:rPr lang="lt-LT" sz="1400" dirty="0">
+                <a:solidFill>
+                  <a:schemeClr val="tx1"/>
+                </a:solidFill>
+                <a:latin typeface="Courier New"/>
+              </a:rPr>
+              <a:t>) t(</a:t>
+            </a:r>
+            <a:r>
+              <a:rPr lang="en-US" sz="1400" dirty="0">
+                <a:solidFill>
+                  <a:schemeClr val="tx1"/>
+                </a:solidFill>
+                <a:latin typeface="Courier New"/>
+              </a:rPr>
+              <a:t>1</a:t>
+            </a:r>
+            <a:r>
+              <a:rPr lang="lt-LT" sz="1400" dirty="0">
+                <a:solidFill>
+                  <a:schemeClr val="tx1"/>
+                </a:solidFill>
+                <a:latin typeface="Courier New"/>
+              </a:rPr>
+              <a:t>) a(</a:t>
+            </a:r>
+            <a:r>
+              <a:rPr lang="en-US" sz="1400" dirty="0">
+                <a:solidFill>
+                  <a:schemeClr val="tx1"/>
+                </a:solidFill>
+                <a:latin typeface="Courier New"/>
+              </a:rPr>
+              <a:t>0</a:t>
+            </a:r>
+            <a:r>
+              <a:rPr lang="lt-LT" sz="1400" dirty="0">
+                <a:solidFill>
+                  <a:schemeClr val="tx1"/>
+                </a:solidFill>
+                <a:latin typeface="Courier New"/>
+              </a:rPr>
+              <a:t>) -&gt; </a:t>
+            </a:r>
+            <a:r>
+              <a:rPr lang="en-US" sz="1400" dirty="0">
+                <a:solidFill>
+                  <a:schemeClr val="tx1"/>
+                </a:solidFill>
+                <a:latin typeface="Courier New"/>
+              </a:rPr>
+              <a:t>4</a:t>
+            </a:r>
+            <a:endParaRPr lang="lt-LT" sz="1400" dirty="0">
+              <a:solidFill>
+                <a:schemeClr val="tx1"/>
+              </a:solidFill>
+              <a:latin typeface="Courier New"/>
+            </a:endParaRPr>
           </a:p>
           <a:p>
             <a:pPr marL="285750" indent="-285750">
@@ -9912,14 +10115,20 @@
               <a:t>Total -&gt; Matas+Greta </a:t>
             </a:r>
             <a:r>
-              <a:rPr lang="en-US" sz="1400" dirty="0">
+              <a:rPr lang="en-US" sz="1400">
                 <a:solidFill>
                   <a:schemeClr val="tx1"/>
                 </a:solidFill>
                 <a:latin typeface="Courier New"/>
               </a:rPr>
-              <a:t>= 106</a:t>
-            </a:r>
+              <a:t>= 14</a:t>
+            </a:r>
+            <a:endParaRPr lang="en-US" sz="1400" dirty="0">
+              <a:solidFill>
+                <a:schemeClr val="tx1"/>
+              </a:solidFill>
+              <a:latin typeface="Courier New"/>
+            </a:endParaRPr>
           </a:p>
           <a:p>
             <a:pPr marL="285750" indent="-285750">
@@ -10034,7 +10243,7 @@
         <p159:morph option="byObject"/>
       </p:transition>
     </mc:Choice>
-    <mc:Fallback xmlns="" xmlns:a16="http://schemas.microsoft.com/office/drawing/2014/main" xmlns:ma14="http://schemas.microsoft.com/office/mac/drawingml/2011/main" xmlns:a14="http://schemas.microsoft.com/office/drawing/2010/main" xmlns:m="http://schemas.openxmlformats.org/officeDocument/2006/math" xmlns:p14="http://schemas.microsoft.com/office/powerpoint/2010/main">
+    <mc:Fallback xmlns:p14="http://schemas.microsoft.com/office/powerpoint/2010/main" xmlns:m="http://schemas.openxmlformats.org/officeDocument/2006/math" xmlns:a14="http://schemas.microsoft.com/office/drawing/2010/main" xmlns:ma14="http://schemas.microsoft.com/office/mac/drawingml/2011/main" xmlns:a16="http://schemas.microsoft.com/office/drawing/2014/main" xmlns="">
       <p:transition spd="slow">
         <p:fade/>
       </p:transition>
@@ -10587,7 +10796,7 @@
         <p159:morph option="byObject"/>
       </p:transition>
     </mc:Choice>
-    <mc:Fallback xmlns="" xmlns:a16="http://schemas.microsoft.com/office/drawing/2014/main" xmlns:m="http://schemas.openxmlformats.org/officeDocument/2006/math" xmlns:a14="http://schemas.microsoft.com/office/drawing/2010/main" xmlns:ma14="http://schemas.microsoft.com/office/mac/drawingml/2011/main" xmlns:p14="http://schemas.microsoft.com/office/powerpoint/2010/main">
+    <mc:Fallback xmlns:p14="http://schemas.microsoft.com/office/powerpoint/2010/main" xmlns:ma14="http://schemas.microsoft.com/office/mac/drawingml/2011/main" xmlns:a14="http://schemas.microsoft.com/office/drawing/2010/main" xmlns:m="http://schemas.openxmlformats.org/officeDocument/2006/math" xmlns:a16="http://schemas.microsoft.com/office/drawing/2014/main" xmlns="">
       <p:transition spd="slow">
         <p:fade/>
       </p:transition>
@@ -11230,7 +11439,7 @@
         <p159:morph option="byObject"/>
       </p:transition>
     </mc:Choice>
-    <mc:Fallback xmlns="" xmlns:a16="http://schemas.microsoft.com/office/drawing/2014/main" xmlns:a14="http://schemas.microsoft.com/office/drawing/2010/main" xmlns:asvg="http://schemas.microsoft.com/office/drawing/2016/SVG/main" xmlns:p14="http://schemas.microsoft.com/office/powerpoint/2010/main">
+    <mc:Fallback xmlns:p14="http://schemas.microsoft.com/office/powerpoint/2010/main" xmlns:asvg="http://schemas.microsoft.com/office/drawing/2016/SVG/main" xmlns:a14="http://schemas.microsoft.com/office/drawing/2010/main" xmlns:a16="http://schemas.microsoft.com/office/drawing/2014/main" xmlns="">
       <p:transition spd="slow">
         <p:fade/>
       </p:transition>
@@ -11437,9 +11646,9 @@
         <p:grpSpPr>
           <a:xfrm>
             <a:off x="480390" y="3193409"/>
-            <a:ext cx="731477" cy="731477"/>
+            <a:ext cx="731478" cy="731478"/>
             <a:chOff x="0" y="0"/>
-            <a:chExt cx="731475" cy="731475"/>
+            <a:chExt cx="731476" cy="731476"/>
           </a:xfrm>
         </p:grpSpPr>
         <p:sp>
@@ -11539,9 +11748,9 @@
         <p:grpSpPr>
           <a:xfrm>
             <a:off x="480390" y="4403230"/>
-            <a:ext cx="731477" cy="731477"/>
+            <a:ext cx="731478" cy="731478"/>
             <a:chOff x="0" y="0"/>
-            <a:chExt cx="731475" cy="731475"/>
+            <a:chExt cx="731476" cy="731476"/>
           </a:xfrm>
         </p:grpSpPr>
         <p:sp>
@@ -11640,9 +11849,9 @@
         <p:grpSpPr>
           <a:xfrm>
             <a:off x="480390" y="5514578"/>
-            <a:ext cx="731477" cy="731477"/>
+            <a:ext cx="731478" cy="731478"/>
             <a:chOff x="0" y="0"/>
-            <a:chExt cx="731475" cy="731475"/>
+            <a:chExt cx="731476" cy="731476"/>
           </a:xfrm>
         </p:grpSpPr>
         <p:sp>
@@ -11787,7 +11996,7 @@
         <p159:morph option="byObject"/>
       </p:transition>
     </mc:Choice>
-    <mc:Fallback xmlns="" xmlns:m="http://schemas.openxmlformats.org/officeDocument/2006/math" xmlns:a14="http://schemas.microsoft.com/office/drawing/2010/main" xmlns:ma14="http://schemas.microsoft.com/office/mac/drawingml/2011/main" xmlns:a16="http://schemas.microsoft.com/office/drawing/2014/main" xmlns:asvg="http://schemas.microsoft.com/office/drawing/2016/SVG/main" xmlns:p14="http://schemas.microsoft.com/office/powerpoint/2010/main">
+    <mc:Fallback xmlns:p14="http://schemas.microsoft.com/office/powerpoint/2010/main" xmlns:asvg="http://schemas.microsoft.com/office/drawing/2016/SVG/main" xmlns:a16="http://schemas.microsoft.com/office/drawing/2014/main" xmlns:ma14="http://schemas.microsoft.com/office/mac/drawingml/2011/main" xmlns:a14="http://schemas.microsoft.com/office/drawing/2010/main" xmlns:m="http://schemas.openxmlformats.org/officeDocument/2006/math" xmlns="">
       <p:transition spd="slow">
         <p:fade/>
       </p:transition>
@@ -12077,7 +12286,7 @@
         <p159:morph option="byObject"/>
       </p:transition>
     </mc:Choice>
-    <mc:Fallback xmlns="" xmlns:a16="http://schemas.microsoft.com/office/drawing/2014/main" xmlns:a14="http://schemas.microsoft.com/office/drawing/2010/main" xmlns:asvg="http://schemas.microsoft.com/office/drawing/2016/SVG/main" xmlns:p14="http://schemas.microsoft.com/office/powerpoint/2010/main">
+    <mc:Fallback xmlns:p14="http://schemas.microsoft.com/office/powerpoint/2010/main" xmlns:asvg="http://schemas.microsoft.com/office/drawing/2016/SVG/main" xmlns:a14="http://schemas.microsoft.com/office/drawing/2010/main" xmlns:a16="http://schemas.microsoft.com/office/drawing/2014/main" xmlns="">
       <p:transition spd="slow">
         <p:fade/>
       </p:transition>
@@ -12367,7 +12576,7 @@
         <p159:morph option="byObject"/>
       </p:transition>
     </mc:Choice>
-    <mc:Fallback xmlns="" xmlns:a16="http://schemas.microsoft.com/office/drawing/2014/main" xmlns:a14="http://schemas.microsoft.com/office/drawing/2010/main" xmlns:asvg="http://schemas.microsoft.com/office/drawing/2016/SVG/main" xmlns:p14="http://schemas.microsoft.com/office/powerpoint/2010/main">
+    <mc:Fallback xmlns:p14="http://schemas.microsoft.com/office/powerpoint/2010/main" xmlns:asvg="http://schemas.microsoft.com/office/drawing/2016/SVG/main" xmlns:a14="http://schemas.microsoft.com/office/drawing/2010/main" xmlns:a16="http://schemas.microsoft.com/office/drawing/2014/main" xmlns="">
       <p:transition spd="slow">
         <p:fade/>
       </p:transition>
@@ -12622,7 +12831,7 @@
         <p159:morph option="byObject"/>
       </p:transition>
     </mc:Choice>
-    <mc:Fallback xmlns="" xmlns:a16="http://schemas.microsoft.com/office/drawing/2014/main" xmlns:p14="http://schemas.microsoft.com/office/powerpoint/2010/main">
+    <mc:Fallback xmlns:p14="http://schemas.microsoft.com/office/powerpoint/2010/main" xmlns:a16="http://schemas.microsoft.com/office/drawing/2014/main" xmlns="">
       <p:transition spd="slow">
         <p:fade/>
       </p:transition>
@@ -12877,7 +13086,7 @@
         <p159:morph option="byObject"/>
       </p:transition>
     </mc:Choice>
-    <mc:Fallback xmlns="" xmlns:a16="http://schemas.microsoft.com/office/drawing/2014/main" xmlns:p14="http://schemas.microsoft.com/office/powerpoint/2010/main">
+    <mc:Fallback xmlns:p14="http://schemas.microsoft.com/office/powerpoint/2010/main" xmlns:a16="http://schemas.microsoft.com/office/drawing/2014/main" xmlns="">
       <p:transition spd="slow">
         <p:fade/>
       </p:transition>
@@ -13651,7 +13860,7 @@
         <p159:morph option="byObject"/>
       </p:transition>
     </mc:Choice>
-    <mc:Fallback xmlns="" xmlns:a16="http://schemas.microsoft.com/office/drawing/2014/main" xmlns:m="http://schemas.openxmlformats.org/officeDocument/2006/math" xmlns:a14="http://schemas.microsoft.com/office/drawing/2010/main" xmlns:ma14="http://schemas.microsoft.com/office/mac/drawingml/2011/main" xmlns:p14="http://schemas.microsoft.com/office/powerpoint/2010/main">
+    <mc:Fallback xmlns:p14="http://schemas.microsoft.com/office/powerpoint/2010/main" xmlns:ma14="http://schemas.microsoft.com/office/mac/drawingml/2011/main" xmlns:a14="http://schemas.microsoft.com/office/drawing/2010/main" xmlns:m="http://schemas.openxmlformats.org/officeDocument/2006/math" xmlns:a16="http://schemas.microsoft.com/office/drawing/2014/main" xmlns="">
       <p:transition spd="slow">
         <p:fade/>
       </p:transition>
@@ -13926,7 +14135,7 @@
         <p159:morph option="byObject"/>
       </p:transition>
     </mc:Choice>
-    <mc:Fallback xmlns="" xmlns:a16="http://schemas.microsoft.com/office/drawing/2014/main" xmlns:p14="http://schemas.microsoft.com/office/powerpoint/2010/main">
+    <mc:Fallback xmlns:p14="http://schemas.microsoft.com/office/powerpoint/2010/main" xmlns:a16="http://schemas.microsoft.com/office/drawing/2014/main" xmlns="">
       <p:transition spd="slow">
         <p:fade/>
       </p:transition>
@@ -14201,7 +14410,7 @@
         <p159:morph option="byObject"/>
       </p:transition>
     </mc:Choice>
-    <mc:Fallback xmlns="" xmlns:a16="http://schemas.microsoft.com/office/drawing/2014/main" xmlns:p14="http://schemas.microsoft.com/office/powerpoint/2010/main">
+    <mc:Fallback xmlns:p14="http://schemas.microsoft.com/office/powerpoint/2010/main" xmlns:a16="http://schemas.microsoft.com/office/drawing/2014/main" xmlns="">
       <p:transition spd="slow">
         <p:fade/>
       </p:transition>
@@ -16357,12 +16566,6 @@
 </file>
 
 <file path=customXml/item1.xml><?xml version="1.0" encoding="utf-8"?>
-<p:properties xmlns:p="http://schemas.microsoft.com/office/2006/metadata/properties" xmlns:xsi="http://www.w3.org/2001/XMLSchema-instance" xmlns:pc="http://schemas.microsoft.com/office/infopath/2007/PartnerControls">
-  <documentManagement/>
-</p:properties>
-</file>
-
-<file path=customXml/item2.xml><?xml version="1.0" encoding="utf-8"?>
 <?mso-contentType ?>
 <FormTemplates xmlns="http://schemas.microsoft.com/sharepoint/v3/contenttype/forms">
   <Display>DocumentLibraryForm</Display>
@@ -16371,7 +16574,7 @@
 </FormTemplates>
 </file>
 
-<file path=customXml/item3.xml><?xml version="1.0" encoding="utf-8"?>
+<file path=customXml/item2.xml><?xml version="1.0" encoding="utf-8"?>
 <ct:contentTypeSchema xmlns:ct="http://schemas.microsoft.com/office/2006/metadata/contentType" xmlns:ma="http://schemas.microsoft.com/office/2006/metadata/properties/metaAttributes" ct:_="" ma:_="" ma:contentTypeName="Document" ma:contentTypeID="0x010100A6A4ACF2A8DF004CA94A2D6A4303FCEA" ma:contentTypeVersion="3" ma:contentTypeDescription="Create a new document." ma:contentTypeScope="" ma:versionID="dce8d8eaf1142774ac5085623c4f4acc">
   <xsd:schema xmlns:xsd="http://www.w3.org/2001/XMLSchema" xmlns:xs="http://www.w3.org/2001/XMLSchema" xmlns:p="http://schemas.microsoft.com/office/2006/metadata/properties" xmlns:ns2="a3b97f0a-8a49-47eb-801c-707cd9a5bca1" targetNamespace="http://schemas.microsoft.com/office/2006/metadata/properties" ma:root="true" ma:fieldsID="508d6a8722d5444c3f31e6dbb793e0dd" ns2:_="">
     <xsd:import namespace="a3b97f0a-8a49-47eb-801c-707cd9a5bca1"/>
@@ -16509,23 +16712,13 @@
 </ct:contentTypeSchema>
 </file>
 
-<file path=customXml/itemProps1.xml><?xml version="1.0" encoding="utf-8"?>
-<ds:datastoreItem xmlns:ds="http://schemas.openxmlformats.org/officeDocument/2006/customXml" ds:itemID="{5431EA9C-10DD-4CC6-8D29-078408DD189C}">
-  <ds:schemaRefs>
-    <ds:schemaRef ds:uri="http://purl.org/dc/elements/1.1/"/>
-    <ds:schemaRef ds:uri="http://schemas.microsoft.com/office/2006/metadata/properties"/>
-    <ds:schemaRef ds:uri="http://purl.org/dc/terms/"/>
-    <ds:schemaRef ds:uri="http://schemas.openxmlformats.org/package/2006/metadata/core-properties"/>
-    <ds:schemaRef ds:uri="http://schemas.microsoft.com/office/2006/documentManagement/types"/>
-    <ds:schemaRef ds:uri="http://schemas.microsoft.com/office/infopath/2007/PartnerControls"/>
-    <ds:schemaRef ds:uri="a3b97f0a-8a49-47eb-801c-707cd9a5bca1"/>
-    <ds:schemaRef ds:uri="http://www.w3.org/XML/1998/namespace"/>
-    <ds:schemaRef ds:uri="http://purl.org/dc/dcmitype/"/>
-  </ds:schemaRefs>
-</ds:datastoreItem>
+<file path=customXml/item3.xml><?xml version="1.0" encoding="utf-8"?>
+<p:properties xmlns:p="http://schemas.microsoft.com/office/2006/metadata/properties" xmlns:xsi="http://www.w3.org/2001/XMLSchema-instance" xmlns:pc="http://schemas.microsoft.com/office/infopath/2007/PartnerControls">
+  <documentManagement/>
+</p:properties>
 </file>
 
-<file path=customXml/itemProps2.xml><?xml version="1.0" encoding="utf-8"?>
+<file path=customXml/itemProps1.xml><?xml version="1.0" encoding="utf-8"?>
 <ds:datastoreItem xmlns:ds="http://schemas.openxmlformats.org/officeDocument/2006/customXml" ds:itemID="{757D72BC-9185-4D0C-BC06-4B3F4F34ACA9}">
   <ds:schemaRefs>
     <ds:schemaRef ds:uri="http://schemas.microsoft.com/sharepoint/v3/contenttype/forms"/>
@@ -16533,7 +16726,7 @@
 </ds:datastoreItem>
 </file>
 
-<file path=customXml/itemProps3.xml><?xml version="1.0" encoding="utf-8"?>
+<file path=customXml/itemProps2.xml><?xml version="1.0" encoding="utf-8"?>
 <ds:datastoreItem xmlns:ds="http://schemas.openxmlformats.org/officeDocument/2006/customXml" ds:itemID="{AC088973-2FC3-4A51-8A04-3B14DBEDB5E3}">
   <ds:schemaRefs>
     <ds:schemaRef ds:uri="http://schemas.microsoft.com/office/2006/metadata/contentType"/>
@@ -16549,4 +16742,20 @@
     <ds:schemaRef ds:uri="http://schemas.microsoft.com/internal/obd"/>
   </ds:schemaRefs>
 </ds:datastoreItem>
+</file>
+
+<file path=customXml/itemProps3.xml><?xml version="1.0" encoding="utf-8"?>
+<ds:datastoreItem xmlns:ds="http://schemas.openxmlformats.org/officeDocument/2006/customXml" ds:itemID="{5431EA9C-10DD-4CC6-8D29-078408DD189C}">
+  <ds:schemaRefs>
+    <ds:schemaRef ds:uri="http://purl.org/dc/elements/1.1/"/>
+    <ds:schemaRef ds:uri="http://schemas.microsoft.com/office/2006/metadata/properties"/>
+    <ds:schemaRef ds:uri="http://purl.org/dc/terms/"/>
+    <ds:schemaRef ds:uri="http://schemas.openxmlformats.org/package/2006/metadata/core-properties"/>
+    <ds:schemaRef ds:uri="http://schemas.microsoft.com/office/2006/documentManagement/types"/>
+    <ds:schemaRef ds:uri="http://schemas.microsoft.com/office/infopath/2007/PartnerControls"/>
+    <ds:schemaRef ds:uri="a3b97f0a-8a49-47eb-801c-707cd9a5bca1"/>
+    <ds:schemaRef ds:uri="http://www.w3.org/XML/1998/namespace"/>
+    <ds:schemaRef ds:uri="http://purl.org/dc/dcmitype/"/>
+  </ds:schemaRefs>
+</ds:datastoreItem>
 </file>